--- a/PRMGT_Presentation_Template.pptx
+++ b/PRMGT_Presentation_Template.pptx
@@ -29,11 +29,11 @@
     <p:sldId id="291" r:id="rId23"/>
     <p:sldId id="270" r:id="rId24"/>
     <p:sldId id="272" r:id="rId25"/>
-    <p:sldId id="292" r:id="rId26"/>
-    <p:sldId id="293" r:id="rId27"/>
-    <p:sldId id="271" r:id="rId28"/>
-    <p:sldId id="273" r:id="rId29"/>
-    <p:sldId id="274" r:id="rId30"/>
+    <p:sldId id="274" r:id="rId26"/>
+    <p:sldId id="273" r:id="rId27"/>
+    <p:sldId id="292" r:id="rId28"/>
+    <p:sldId id="293" r:id="rId29"/>
+    <p:sldId id="271" r:id="rId30"/>
     <p:sldId id="275" r:id="rId31"/>
     <p:sldId id="276" r:id="rId32"/>
     <p:sldId id="277" r:id="rId33"/>
@@ -282,7 +282,7 @@
           <a:p>
             <a:fld id="{48A87A34-81AB-432B-8DAE-1953F412C126}" type="datetimeFigureOut">
               <a:rPr lang="en-US" dirty="0"/>
-              <a:t>08-Sep-18</a:t>
+              <a:t>09-Sep-18</a:t>
             </a:fld>
             <a:endParaRPr lang="en-US" dirty="0"/>
           </a:p>
@@ -488,7 +488,7 @@
           <a:p>
             <a:fld id="{48A87A34-81AB-432B-8DAE-1953F412C126}" type="datetimeFigureOut">
               <a:rPr lang="en-US" dirty="0"/>
-              <a:t>08-Sep-18</a:t>
+              <a:t>09-Sep-18</a:t>
             </a:fld>
             <a:endParaRPr lang="en-US" dirty="0"/>
           </a:p>
@@ -698,7 +698,7 @@
           <a:p>
             <a:fld id="{48A87A34-81AB-432B-8DAE-1953F412C126}" type="datetimeFigureOut">
               <a:rPr lang="en-US" dirty="0"/>
-              <a:t>08-Sep-18</a:t>
+              <a:t>09-Sep-18</a:t>
             </a:fld>
             <a:endParaRPr lang="en-US" dirty="0"/>
           </a:p>
@@ -894,7 +894,7 @@
           <a:p>
             <a:fld id="{48A87A34-81AB-432B-8DAE-1953F412C126}" type="datetimeFigureOut">
               <a:rPr lang="en-US" dirty="0"/>
-              <a:t>08-Sep-18</a:t>
+              <a:t>09-Sep-18</a:t>
             </a:fld>
             <a:endParaRPr lang="en-US" dirty="0"/>
           </a:p>
@@ -1168,7 +1168,7 @@
           <a:p>
             <a:fld id="{48A87A34-81AB-432B-8DAE-1953F412C126}" type="datetimeFigureOut">
               <a:rPr lang="en-US" dirty="0"/>
-              <a:t>08-Sep-18</a:t>
+              <a:t>09-Sep-18</a:t>
             </a:fld>
             <a:endParaRPr lang="en-US" dirty="0"/>
           </a:p>
@@ -1431,7 +1431,7 @@
           <a:p>
             <a:fld id="{48A87A34-81AB-432B-8DAE-1953F412C126}" type="datetimeFigureOut">
               <a:rPr lang="en-US" dirty="0"/>
-              <a:t>08-Sep-18</a:t>
+              <a:t>09-Sep-18</a:t>
             </a:fld>
             <a:endParaRPr lang="en-US" dirty="0"/>
           </a:p>
@@ -1842,7 +1842,7 @@
           <a:p>
             <a:fld id="{48A87A34-81AB-432B-8DAE-1953F412C126}" type="datetimeFigureOut">
               <a:rPr lang="en-US" dirty="0"/>
-              <a:t>08-Sep-18</a:t>
+              <a:t>09-Sep-18</a:t>
             </a:fld>
             <a:endParaRPr lang="en-US" dirty="0"/>
           </a:p>
@@ -1986,7 +1986,7 @@
           <a:p>
             <a:fld id="{48A87A34-81AB-432B-8DAE-1953F412C126}" type="datetimeFigureOut">
               <a:rPr lang="en-US" dirty="0"/>
-              <a:t>08-Sep-18</a:t>
+              <a:t>09-Sep-18</a:t>
             </a:fld>
             <a:endParaRPr lang="en-US" dirty="0"/>
           </a:p>
@@ -2107,7 +2107,7 @@
           <a:p>
             <a:fld id="{48A87A34-81AB-432B-8DAE-1953F412C126}" type="datetimeFigureOut">
               <a:rPr lang="en-US" dirty="0"/>
-              <a:t>08-Sep-18</a:t>
+              <a:t>09-Sep-18</a:t>
             </a:fld>
             <a:endParaRPr lang="en-US" dirty="0"/>
           </a:p>
@@ -2353,7 +2353,7 @@
           <a:p>
             <a:fld id="{48A87A34-81AB-432B-8DAE-1953F412C126}" type="datetimeFigureOut">
               <a:rPr lang="en-US" dirty="0"/>
-              <a:t>08-Sep-18</a:t>
+              <a:t>09-Sep-18</a:t>
             </a:fld>
             <a:endParaRPr lang="en-US" dirty="0"/>
           </a:p>
@@ -2794,7 +2794,7 @@
             <a:fld id="{48A87A34-81AB-432B-8DAE-1953F412C126}" type="datetimeFigureOut">
               <a:rPr lang="en-US" dirty="0"/>
               <a:pPr/>
-              <a:t>08-Sep-18</a:t>
+              <a:t>09-Sep-18</a:t>
             </a:fld>
             <a:endParaRPr lang="en-US" dirty="0"/>
           </a:p>
@@ -3116,7 +3116,7 @@
             <a:fld id="{48A87A34-81AB-432B-8DAE-1953F412C126}" type="datetimeFigureOut">
               <a:rPr lang="en-US" dirty="0"/>
               <a:pPr/>
-              <a:t>08-Sep-18</a:t>
+              <a:t>09-Sep-18</a:t>
             </a:fld>
             <a:endParaRPr lang="en-US" dirty="0"/>
           </a:p>
@@ -17548,6 +17548,230 @@
         <p:spPr>
           <a:xfrm>
             <a:off x="318049" y="200108"/>
+            <a:ext cx="7294332" cy="769441"/>
+          </a:xfrm>
+          <a:prstGeom prst="rect">
+            <a:avLst/>
+          </a:prstGeom>
+          <a:noFill/>
+        </p:spPr>
+        <p:txBody>
+          <a:bodyPr wrap="square" rtlCol="0">
+            <a:spAutoFit/>
+          </a:bodyPr>
+          <a:lstStyle/>
+          <a:p>
+            <a:r>
+              <a:rPr lang="en-US" sz="4400" u="sng" dirty="0"/>
+              <a:t>Human Resource Management</a:t>
+            </a:r>
+          </a:p>
+        </p:txBody>
+      </p:sp>
+      <p:sp>
+        <p:nvSpPr>
+          <p:cNvPr id="3" name="TextBox 2">
+            <a:extLst>
+              <a:ext uri="{FF2B5EF4-FFF2-40B4-BE49-F238E27FC236}">
+                <a16:creationId xmlns:a16="http://schemas.microsoft.com/office/drawing/2014/main" id="{37E7C5E1-8744-44D3-A120-FFB9FB00DEA1}"/>
+              </a:ext>
+            </a:extLst>
+          </p:cNvPr>
+          <p:cNvSpPr txBox="1"/>
+          <p:nvPr/>
+        </p:nvSpPr>
+        <p:spPr>
+          <a:xfrm>
+            <a:off x="318049" y="1541228"/>
+            <a:ext cx="10204175" cy="1077218"/>
+          </a:xfrm>
+          <a:prstGeom prst="rect">
+            <a:avLst/>
+          </a:prstGeom>
+          <a:noFill/>
+        </p:spPr>
+        <p:txBody>
+          <a:bodyPr wrap="square" rtlCol="0">
+            <a:spAutoFit/>
+          </a:bodyPr>
+          <a:lstStyle/>
+          <a:p>
+            <a:pPr marL="514350" indent="-514350">
+              <a:buFont typeface="Arial" panose="020B0604020202020204" pitchFamily="34" charset="0"/>
+              <a:buChar char="•"/>
+            </a:pPr>
+            <a:r>
+              <a:rPr lang="en-US" sz="3200" b="1" dirty="0"/>
+              <a:t>?</a:t>
+            </a:r>
+            <a:endParaRPr lang="en-US" sz="3200" dirty="0"/>
+          </a:p>
+          <a:p>
+            <a:pPr marL="971550" lvl="1" indent="-514350">
+              <a:buFont typeface="Wingdings" panose="05000000000000000000" pitchFamily="2" charset="2"/>
+              <a:buChar char="ü"/>
+            </a:pPr>
+            <a:endParaRPr lang="en-US" sz="3200" dirty="0"/>
+          </a:p>
+        </p:txBody>
+      </p:sp>
+    </p:spTree>
+    <p:extLst>
+      <p:ext uri="{BB962C8B-B14F-4D97-AF65-F5344CB8AC3E}">
+        <p14:creationId xmlns:p14="http://schemas.microsoft.com/office/powerpoint/2010/main" val="177827931"/>
+      </p:ext>
+    </p:extLst>
+  </p:cSld>
+  <p:clrMapOvr>
+    <a:masterClrMapping/>
+  </p:clrMapOvr>
+</p:sld>
+</file>
+
+<file path=ppt/slides/slide26.xml><?xml version="1.0" encoding="utf-8"?>
+<p:sld xmlns:a="http://schemas.openxmlformats.org/drawingml/2006/main" xmlns:r="http://schemas.openxmlformats.org/officeDocument/2006/relationships" xmlns:p="http://schemas.openxmlformats.org/presentationml/2006/main">
+  <p:cSld>
+    <p:spTree>
+      <p:nvGrpSpPr>
+        <p:cNvPr id="1" name=""/>
+        <p:cNvGrpSpPr/>
+        <p:nvPr/>
+      </p:nvGrpSpPr>
+      <p:grpSpPr>
+        <a:xfrm>
+          <a:off x="0" y="0"/>
+          <a:ext cx="0" cy="0"/>
+          <a:chOff x="0" y="0"/>
+          <a:chExt cx="0" cy="0"/>
+        </a:xfrm>
+      </p:grpSpPr>
+      <p:sp>
+        <p:nvSpPr>
+          <p:cNvPr id="2" name="TextBox 1">
+            <a:extLst>
+              <a:ext uri="{FF2B5EF4-FFF2-40B4-BE49-F238E27FC236}">
+                <a16:creationId xmlns:a16="http://schemas.microsoft.com/office/drawing/2014/main" id="{B7272488-AA4A-4AF9-97E6-2E857C9BA88D}"/>
+              </a:ext>
+            </a:extLst>
+          </p:cNvPr>
+          <p:cNvSpPr txBox="1"/>
+          <p:nvPr/>
+        </p:nvSpPr>
+        <p:spPr>
+          <a:xfrm>
+            <a:off x="318049" y="200108"/>
+            <a:ext cx="7294332" cy="769441"/>
+          </a:xfrm>
+          <a:prstGeom prst="rect">
+            <a:avLst/>
+          </a:prstGeom>
+          <a:noFill/>
+        </p:spPr>
+        <p:txBody>
+          <a:bodyPr wrap="square" rtlCol="0">
+            <a:spAutoFit/>
+          </a:bodyPr>
+          <a:lstStyle/>
+          <a:p>
+            <a:r>
+              <a:rPr lang="en-US" sz="4400" u="sng" dirty="0"/>
+              <a:t>Procurement Management</a:t>
+            </a:r>
+          </a:p>
+        </p:txBody>
+      </p:sp>
+      <p:sp>
+        <p:nvSpPr>
+          <p:cNvPr id="3" name="TextBox 2">
+            <a:extLst>
+              <a:ext uri="{FF2B5EF4-FFF2-40B4-BE49-F238E27FC236}">
+                <a16:creationId xmlns:a16="http://schemas.microsoft.com/office/drawing/2014/main" id="{37E7C5E1-8744-44D3-A120-FFB9FB00DEA1}"/>
+              </a:ext>
+            </a:extLst>
+          </p:cNvPr>
+          <p:cNvSpPr txBox="1"/>
+          <p:nvPr/>
+        </p:nvSpPr>
+        <p:spPr>
+          <a:xfrm>
+            <a:off x="318049" y="1541228"/>
+            <a:ext cx="10204175" cy="1077218"/>
+          </a:xfrm>
+          <a:prstGeom prst="rect">
+            <a:avLst/>
+          </a:prstGeom>
+          <a:noFill/>
+        </p:spPr>
+        <p:txBody>
+          <a:bodyPr wrap="square" rtlCol="0">
+            <a:spAutoFit/>
+          </a:bodyPr>
+          <a:lstStyle/>
+          <a:p>
+            <a:pPr marL="514350" indent="-514350">
+              <a:buFont typeface="Arial" panose="020B0604020202020204" pitchFamily="34" charset="0"/>
+              <a:buChar char="•"/>
+            </a:pPr>
+            <a:r>
+              <a:rPr lang="en-US" sz="3200" b="1" dirty="0"/>
+              <a:t>?</a:t>
+            </a:r>
+            <a:endParaRPr lang="en-US" sz="3200" dirty="0"/>
+          </a:p>
+          <a:p>
+            <a:pPr marL="971550" lvl="1" indent="-514350">
+              <a:buFont typeface="Wingdings" panose="05000000000000000000" pitchFamily="2" charset="2"/>
+              <a:buChar char="ü"/>
+            </a:pPr>
+            <a:endParaRPr lang="en-US" sz="3200" dirty="0"/>
+          </a:p>
+        </p:txBody>
+      </p:sp>
+    </p:spTree>
+    <p:extLst>
+      <p:ext uri="{BB962C8B-B14F-4D97-AF65-F5344CB8AC3E}">
+        <p14:creationId xmlns:p14="http://schemas.microsoft.com/office/powerpoint/2010/main" val="3487450713"/>
+      </p:ext>
+    </p:extLst>
+  </p:cSld>
+  <p:clrMapOvr>
+    <a:masterClrMapping/>
+  </p:clrMapOvr>
+</p:sld>
+</file>
+
+<file path=ppt/slides/slide27.xml><?xml version="1.0" encoding="utf-8"?>
+<p:sld xmlns:a="http://schemas.openxmlformats.org/drawingml/2006/main" xmlns:r="http://schemas.openxmlformats.org/officeDocument/2006/relationships" xmlns:p="http://schemas.openxmlformats.org/presentationml/2006/main">
+  <p:cSld>
+    <p:spTree>
+      <p:nvGrpSpPr>
+        <p:cNvPr id="1" name=""/>
+        <p:cNvGrpSpPr/>
+        <p:nvPr/>
+      </p:nvGrpSpPr>
+      <p:grpSpPr>
+        <a:xfrm>
+          <a:off x="0" y="0"/>
+          <a:ext cx="0" cy="0"/>
+          <a:chOff x="0" y="0"/>
+          <a:chExt cx="0" cy="0"/>
+        </a:xfrm>
+      </p:grpSpPr>
+      <p:sp>
+        <p:nvSpPr>
+          <p:cNvPr id="2" name="TextBox 1">
+            <a:extLst>
+              <a:ext uri="{FF2B5EF4-FFF2-40B4-BE49-F238E27FC236}">
+                <a16:creationId xmlns:a16="http://schemas.microsoft.com/office/drawing/2014/main" id="{B7272488-AA4A-4AF9-97E6-2E857C9BA88D}"/>
+              </a:ext>
+            </a:extLst>
+          </p:cNvPr>
+          <p:cNvSpPr txBox="1"/>
+          <p:nvPr/>
+        </p:nvSpPr>
+        <p:spPr>
+          <a:xfrm>
+            <a:off x="318049" y="200108"/>
             <a:ext cx="8166732" cy="769441"/>
           </a:xfrm>
           <a:prstGeom prst="rect">
@@ -17563,7 +17787,7 @@
           <a:p>
             <a:r>
               <a:rPr lang="en-US" sz="4400" u="sng" dirty="0"/>
-              <a:t>Human Resource Management(1)</a:t>
+              <a:t>Communication Management(1)</a:t>
             </a:r>
           </a:p>
         </p:txBody>
@@ -19494,7 +19718,7 @@
 </p:sld>
 </file>
 
-<file path=ppt/slides/slide26.xml><?xml version="1.0" encoding="utf-8"?>
+<file path=ppt/slides/slide28.xml><?xml version="1.0" encoding="utf-8"?>
 <p:sld xmlns:a="http://schemas.openxmlformats.org/drawingml/2006/main" xmlns:r="http://schemas.openxmlformats.org/officeDocument/2006/relationships" xmlns:p="http://schemas.openxmlformats.org/presentationml/2006/main">
   <p:cSld>
     <p:spTree>
@@ -19541,7 +19765,7 @@
           <a:p>
             <a:r>
               <a:rPr lang="en-US" sz="4400" u="sng" dirty="0"/>
-              <a:t>Human Resource Management(2)</a:t>
+              <a:t>Communication Management(2)</a:t>
             </a:r>
           </a:p>
         </p:txBody>
@@ -19816,7 +20040,7 @@
 </p:sld>
 </file>
 
-<file path=ppt/slides/slide27.xml><?xml version="1.0" encoding="utf-8"?>
+<file path=ppt/slides/slide29.xml><?xml version="1.0" encoding="utf-8"?>
 <p:sld xmlns:a="http://schemas.openxmlformats.org/drawingml/2006/main" xmlns:r="http://schemas.openxmlformats.org/officeDocument/2006/relationships" xmlns:p="http://schemas.openxmlformats.org/presentationml/2006/main">
   <p:cSld>
     <p:spTree>
@@ -19863,7 +20087,7 @@
           <a:p>
             <a:r>
               <a:rPr lang="en-US" sz="4400" u="sng" dirty="0"/>
-              <a:t>Human Resource Management(3)</a:t>
+              <a:t>Communication Management(3)</a:t>
             </a:r>
           </a:p>
         </p:txBody>
@@ -20064,230 +20288,6 @@
     <p:extLst>
       <p:ext uri="{BB962C8B-B14F-4D97-AF65-F5344CB8AC3E}">
         <p14:creationId xmlns:p14="http://schemas.microsoft.com/office/powerpoint/2010/main" val="1654407905"/>
-      </p:ext>
-    </p:extLst>
-  </p:cSld>
-  <p:clrMapOvr>
-    <a:masterClrMapping/>
-  </p:clrMapOvr>
-</p:sld>
-</file>
-
-<file path=ppt/slides/slide28.xml><?xml version="1.0" encoding="utf-8"?>
-<p:sld xmlns:a="http://schemas.openxmlformats.org/drawingml/2006/main" xmlns:r="http://schemas.openxmlformats.org/officeDocument/2006/relationships" xmlns:p="http://schemas.openxmlformats.org/presentationml/2006/main">
-  <p:cSld>
-    <p:spTree>
-      <p:nvGrpSpPr>
-        <p:cNvPr id="1" name=""/>
-        <p:cNvGrpSpPr/>
-        <p:nvPr/>
-      </p:nvGrpSpPr>
-      <p:grpSpPr>
-        <a:xfrm>
-          <a:off x="0" y="0"/>
-          <a:ext cx="0" cy="0"/>
-          <a:chOff x="0" y="0"/>
-          <a:chExt cx="0" cy="0"/>
-        </a:xfrm>
-      </p:grpSpPr>
-      <p:sp>
-        <p:nvSpPr>
-          <p:cNvPr id="2" name="TextBox 1">
-            <a:extLst>
-              <a:ext uri="{FF2B5EF4-FFF2-40B4-BE49-F238E27FC236}">
-                <a16:creationId xmlns:a16="http://schemas.microsoft.com/office/drawing/2014/main" id="{B7272488-AA4A-4AF9-97E6-2E857C9BA88D}"/>
-              </a:ext>
-            </a:extLst>
-          </p:cNvPr>
-          <p:cNvSpPr txBox="1"/>
-          <p:nvPr/>
-        </p:nvSpPr>
-        <p:spPr>
-          <a:xfrm>
-            <a:off x="318049" y="200108"/>
-            <a:ext cx="7294332" cy="769441"/>
-          </a:xfrm>
-          <a:prstGeom prst="rect">
-            <a:avLst/>
-          </a:prstGeom>
-          <a:noFill/>
-        </p:spPr>
-        <p:txBody>
-          <a:bodyPr wrap="square" rtlCol="0">
-            <a:spAutoFit/>
-          </a:bodyPr>
-          <a:lstStyle/>
-          <a:p>
-            <a:r>
-              <a:rPr lang="en-US" sz="4400" u="sng" dirty="0"/>
-              <a:t>Procurement Management</a:t>
-            </a:r>
-          </a:p>
-        </p:txBody>
-      </p:sp>
-      <p:sp>
-        <p:nvSpPr>
-          <p:cNvPr id="3" name="TextBox 2">
-            <a:extLst>
-              <a:ext uri="{FF2B5EF4-FFF2-40B4-BE49-F238E27FC236}">
-                <a16:creationId xmlns:a16="http://schemas.microsoft.com/office/drawing/2014/main" id="{37E7C5E1-8744-44D3-A120-FFB9FB00DEA1}"/>
-              </a:ext>
-            </a:extLst>
-          </p:cNvPr>
-          <p:cNvSpPr txBox="1"/>
-          <p:nvPr/>
-        </p:nvSpPr>
-        <p:spPr>
-          <a:xfrm>
-            <a:off x="318049" y="1541228"/>
-            <a:ext cx="10204175" cy="1077218"/>
-          </a:xfrm>
-          <a:prstGeom prst="rect">
-            <a:avLst/>
-          </a:prstGeom>
-          <a:noFill/>
-        </p:spPr>
-        <p:txBody>
-          <a:bodyPr wrap="square" rtlCol="0">
-            <a:spAutoFit/>
-          </a:bodyPr>
-          <a:lstStyle/>
-          <a:p>
-            <a:pPr marL="514350" indent="-514350">
-              <a:buFont typeface="Arial" panose="020B0604020202020204" pitchFamily="34" charset="0"/>
-              <a:buChar char="•"/>
-            </a:pPr>
-            <a:r>
-              <a:rPr lang="en-US" sz="3200" b="1" dirty="0"/>
-              <a:t>?</a:t>
-            </a:r>
-            <a:endParaRPr lang="en-US" sz="3200" dirty="0"/>
-          </a:p>
-          <a:p>
-            <a:pPr marL="971550" lvl="1" indent="-514350">
-              <a:buFont typeface="Wingdings" panose="05000000000000000000" pitchFamily="2" charset="2"/>
-              <a:buChar char="ü"/>
-            </a:pPr>
-            <a:endParaRPr lang="en-US" sz="3200" dirty="0"/>
-          </a:p>
-        </p:txBody>
-      </p:sp>
-    </p:spTree>
-    <p:extLst>
-      <p:ext uri="{BB962C8B-B14F-4D97-AF65-F5344CB8AC3E}">
-        <p14:creationId xmlns:p14="http://schemas.microsoft.com/office/powerpoint/2010/main" val="3487450713"/>
-      </p:ext>
-    </p:extLst>
-  </p:cSld>
-  <p:clrMapOvr>
-    <a:masterClrMapping/>
-  </p:clrMapOvr>
-</p:sld>
-</file>
-
-<file path=ppt/slides/slide29.xml><?xml version="1.0" encoding="utf-8"?>
-<p:sld xmlns:a="http://schemas.openxmlformats.org/drawingml/2006/main" xmlns:r="http://schemas.openxmlformats.org/officeDocument/2006/relationships" xmlns:p="http://schemas.openxmlformats.org/presentationml/2006/main">
-  <p:cSld>
-    <p:spTree>
-      <p:nvGrpSpPr>
-        <p:cNvPr id="1" name=""/>
-        <p:cNvGrpSpPr/>
-        <p:nvPr/>
-      </p:nvGrpSpPr>
-      <p:grpSpPr>
-        <a:xfrm>
-          <a:off x="0" y="0"/>
-          <a:ext cx="0" cy="0"/>
-          <a:chOff x="0" y="0"/>
-          <a:chExt cx="0" cy="0"/>
-        </a:xfrm>
-      </p:grpSpPr>
-      <p:sp>
-        <p:nvSpPr>
-          <p:cNvPr id="2" name="TextBox 1">
-            <a:extLst>
-              <a:ext uri="{FF2B5EF4-FFF2-40B4-BE49-F238E27FC236}">
-                <a16:creationId xmlns:a16="http://schemas.microsoft.com/office/drawing/2014/main" id="{B7272488-AA4A-4AF9-97E6-2E857C9BA88D}"/>
-              </a:ext>
-            </a:extLst>
-          </p:cNvPr>
-          <p:cNvSpPr txBox="1"/>
-          <p:nvPr/>
-        </p:nvSpPr>
-        <p:spPr>
-          <a:xfrm>
-            <a:off x="318049" y="200108"/>
-            <a:ext cx="7294332" cy="769441"/>
-          </a:xfrm>
-          <a:prstGeom prst="rect">
-            <a:avLst/>
-          </a:prstGeom>
-          <a:noFill/>
-        </p:spPr>
-        <p:txBody>
-          <a:bodyPr wrap="square" rtlCol="0">
-            <a:spAutoFit/>
-          </a:bodyPr>
-          <a:lstStyle/>
-          <a:p>
-            <a:r>
-              <a:rPr lang="en-US" sz="4400" u="sng" dirty="0"/>
-              <a:t>Communication Management</a:t>
-            </a:r>
-          </a:p>
-        </p:txBody>
-      </p:sp>
-      <p:sp>
-        <p:nvSpPr>
-          <p:cNvPr id="3" name="TextBox 2">
-            <a:extLst>
-              <a:ext uri="{FF2B5EF4-FFF2-40B4-BE49-F238E27FC236}">
-                <a16:creationId xmlns:a16="http://schemas.microsoft.com/office/drawing/2014/main" id="{37E7C5E1-8744-44D3-A120-FFB9FB00DEA1}"/>
-              </a:ext>
-            </a:extLst>
-          </p:cNvPr>
-          <p:cNvSpPr txBox="1"/>
-          <p:nvPr/>
-        </p:nvSpPr>
-        <p:spPr>
-          <a:xfrm>
-            <a:off x="318049" y="1541228"/>
-            <a:ext cx="10204175" cy="1077218"/>
-          </a:xfrm>
-          <a:prstGeom prst="rect">
-            <a:avLst/>
-          </a:prstGeom>
-          <a:noFill/>
-        </p:spPr>
-        <p:txBody>
-          <a:bodyPr wrap="square" rtlCol="0">
-            <a:spAutoFit/>
-          </a:bodyPr>
-          <a:lstStyle/>
-          <a:p>
-            <a:pPr marL="514350" indent="-514350">
-              <a:buFont typeface="Arial" panose="020B0604020202020204" pitchFamily="34" charset="0"/>
-              <a:buChar char="•"/>
-            </a:pPr>
-            <a:r>
-              <a:rPr lang="en-US" sz="3200" b="1" dirty="0"/>
-              <a:t>?</a:t>
-            </a:r>
-            <a:endParaRPr lang="en-US" sz="3200" dirty="0"/>
-          </a:p>
-          <a:p>
-            <a:pPr marL="971550" lvl="1" indent="-514350">
-              <a:buFont typeface="Wingdings" panose="05000000000000000000" pitchFamily="2" charset="2"/>
-              <a:buChar char="ü"/>
-            </a:pPr>
-            <a:endParaRPr lang="en-US" sz="3200" dirty="0"/>
-          </a:p>
-        </p:txBody>
-      </p:sp>
-    </p:spTree>
-    <p:extLst>
-      <p:ext uri="{BB962C8B-B14F-4D97-AF65-F5344CB8AC3E}">
-        <p14:creationId xmlns:p14="http://schemas.microsoft.com/office/powerpoint/2010/main" val="177827931"/>
       </p:ext>
     </p:extLst>
   </p:cSld>
